--- a/picture/chp9/chp9_model.pptx
+++ b/picture/chp9/chp9_model.pptx
@@ -272,7 +272,7 @@
           <a:p>
             <a:fld id="{7D325CBA-D29E-4B2F-B5D2-D08587B4559B}" type="datetimeFigureOut">
               <a:rPr lang="zh-CN" altLang="en-US" smtClean="0"/>
-              <a:t>2023/4/23</a:t>
+              <a:t>2023/4/24</a:t>
             </a:fld>
             <a:endParaRPr lang="zh-CN" altLang="en-US"/>
           </a:p>
@@ -470,7 +470,7 @@
           <a:p>
             <a:fld id="{7D325CBA-D29E-4B2F-B5D2-D08587B4559B}" type="datetimeFigureOut">
               <a:rPr lang="zh-CN" altLang="en-US" smtClean="0"/>
-              <a:t>2023/4/23</a:t>
+              <a:t>2023/4/24</a:t>
             </a:fld>
             <a:endParaRPr lang="zh-CN" altLang="en-US"/>
           </a:p>
@@ -678,7 +678,7 @@
           <a:p>
             <a:fld id="{7D325CBA-D29E-4B2F-B5D2-D08587B4559B}" type="datetimeFigureOut">
               <a:rPr lang="zh-CN" altLang="en-US" smtClean="0"/>
-              <a:t>2023/4/23</a:t>
+              <a:t>2023/4/24</a:t>
             </a:fld>
             <a:endParaRPr lang="zh-CN" altLang="en-US"/>
           </a:p>
@@ -876,7 +876,7 @@
           <a:p>
             <a:fld id="{7D325CBA-D29E-4B2F-B5D2-D08587B4559B}" type="datetimeFigureOut">
               <a:rPr lang="zh-CN" altLang="en-US" smtClean="0"/>
-              <a:t>2023/4/23</a:t>
+              <a:t>2023/4/24</a:t>
             </a:fld>
             <a:endParaRPr lang="zh-CN" altLang="en-US"/>
           </a:p>
@@ -1151,7 +1151,7 @@
           <a:p>
             <a:fld id="{7D325CBA-D29E-4B2F-B5D2-D08587B4559B}" type="datetimeFigureOut">
               <a:rPr lang="zh-CN" altLang="en-US" smtClean="0"/>
-              <a:t>2023/4/23</a:t>
+              <a:t>2023/4/24</a:t>
             </a:fld>
             <a:endParaRPr lang="zh-CN" altLang="en-US"/>
           </a:p>
@@ -1416,7 +1416,7 @@
           <a:p>
             <a:fld id="{7D325CBA-D29E-4B2F-B5D2-D08587B4559B}" type="datetimeFigureOut">
               <a:rPr lang="zh-CN" altLang="en-US" smtClean="0"/>
-              <a:t>2023/4/23</a:t>
+              <a:t>2023/4/24</a:t>
             </a:fld>
             <a:endParaRPr lang="zh-CN" altLang="en-US"/>
           </a:p>
@@ -1828,7 +1828,7 @@
           <a:p>
             <a:fld id="{7D325CBA-D29E-4B2F-B5D2-D08587B4559B}" type="datetimeFigureOut">
               <a:rPr lang="zh-CN" altLang="en-US" smtClean="0"/>
-              <a:t>2023/4/23</a:t>
+              <a:t>2023/4/24</a:t>
             </a:fld>
             <a:endParaRPr lang="zh-CN" altLang="en-US"/>
           </a:p>
@@ -1969,7 +1969,7 @@
           <a:p>
             <a:fld id="{7D325CBA-D29E-4B2F-B5D2-D08587B4559B}" type="datetimeFigureOut">
               <a:rPr lang="zh-CN" altLang="en-US" smtClean="0"/>
-              <a:t>2023/4/23</a:t>
+              <a:t>2023/4/24</a:t>
             </a:fld>
             <a:endParaRPr lang="zh-CN" altLang="en-US"/>
           </a:p>
@@ -2082,7 +2082,7 @@
           <a:p>
             <a:fld id="{7D325CBA-D29E-4B2F-B5D2-D08587B4559B}" type="datetimeFigureOut">
               <a:rPr lang="zh-CN" altLang="en-US" smtClean="0"/>
-              <a:t>2023/4/23</a:t>
+              <a:t>2023/4/24</a:t>
             </a:fld>
             <a:endParaRPr lang="zh-CN" altLang="en-US"/>
           </a:p>
@@ -2393,7 +2393,7 @@
           <a:p>
             <a:fld id="{7D325CBA-D29E-4B2F-B5D2-D08587B4559B}" type="datetimeFigureOut">
               <a:rPr lang="zh-CN" altLang="en-US" smtClean="0"/>
-              <a:t>2023/4/23</a:t>
+              <a:t>2023/4/24</a:t>
             </a:fld>
             <a:endParaRPr lang="zh-CN" altLang="en-US"/>
           </a:p>
@@ -2681,7 +2681,7 @@
           <a:p>
             <a:fld id="{7D325CBA-D29E-4B2F-B5D2-D08587B4559B}" type="datetimeFigureOut">
               <a:rPr lang="zh-CN" altLang="en-US" smtClean="0"/>
-              <a:t>2023/4/23</a:t>
+              <a:t>2023/4/24</a:t>
             </a:fld>
             <a:endParaRPr lang="zh-CN" altLang="en-US"/>
           </a:p>
@@ -2922,7 +2922,7 @@
           <a:p>
             <a:fld id="{7D325CBA-D29E-4B2F-B5D2-D08587B4559B}" type="datetimeFigureOut">
               <a:rPr lang="zh-CN" altLang="en-US" smtClean="0"/>
-              <a:t>2023/4/23</a:t>
+              <a:t>2023/4/24</a:t>
             </a:fld>
             <a:endParaRPr lang="zh-CN" altLang="en-US"/>
           </a:p>
@@ -3703,8 +3703,8 @@
         </p:nvSpPr>
         <p:spPr>
           <a:xfrm>
-            <a:off x="1679510" y="4012163"/>
-            <a:ext cx="1141444" cy="461665"/>
+            <a:off x="1895912" y="3989220"/>
+            <a:ext cx="925042" cy="461665"/>
           </a:xfrm>
           <a:prstGeom prst="rect">
             <a:avLst/>
@@ -3722,7 +3722,7 @@
                 <a:latin typeface="Times New Roman" panose="02020603050405020304" pitchFamily="18" charset="0"/>
                 <a:cs typeface="Times New Roman" panose="02020603050405020304" pitchFamily="18" charset="0"/>
               </a:rPr>
-              <a:t>ALEX</a:t>
+              <a:t>DEQ</a:t>
             </a:r>
             <a:endParaRPr lang="zh-CN" altLang="en-US" sz="2400" b="1" dirty="0">
               <a:latin typeface="Times New Roman" panose="02020603050405020304" pitchFamily="18" charset="0"/>
@@ -3745,8 +3745,8 @@
         </p:nvSpPr>
         <p:spPr>
           <a:xfrm>
-            <a:off x="4100026" y="2444984"/>
-            <a:ext cx="855306" cy="461665"/>
+            <a:off x="3732069" y="2260317"/>
+            <a:ext cx="1374265" cy="830997"/>
           </a:xfrm>
           <a:prstGeom prst="rect">
             <a:avLst/>
@@ -3759,12 +3759,23 @@
           </a:bodyPr>
           <a:lstStyle/>
           <a:p>
+            <a:pPr algn="ctr"/>
             <a:r>
               <a:rPr lang="en-US" altLang="zh-CN" sz="2400" b="1" dirty="0">
                 <a:latin typeface="Times New Roman" panose="02020603050405020304" pitchFamily="18" charset="0"/>
                 <a:cs typeface="Times New Roman" panose="02020603050405020304" pitchFamily="18" charset="0"/>
               </a:rPr>
-              <a:t>ECR</a:t>
+              <a:t>Social</a:t>
+            </a:r>
+          </a:p>
+          <a:p>
+            <a:pPr algn="ctr"/>
+            <a:r>
+              <a:rPr lang="en-US" altLang="zh-CN" sz="2400" b="1" dirty="0">
+                <a:latin typeface="Times New Roman" panose="02020603050405020304" pitchFamily="18" charset="0"/>
+                <a:cs typeface="Times New Roman" panose="02020603050405020304" pitchFamily="18" charset="0"/>
+              </a:rPr>
+              <a:t>Diversity</a:t>
             </a:r>
             <a:endParaRPr lang="zh-CN" altLang="en-US" sz="2400" b="1" dirty="0">
               <a:latin typeface="Times New Roman" panose="02020603050405020304" pitchFamily="18" charset="0"/>
@@ -3787,8 +3798,8 @@
         </p:nvSpPr>
         <p:spPr>
           <a:xfrm>
-            <a:off x="6242449" y="3989221"/>
-            <a:ext cx="1227587" cy="461665"/>
+            <a:off x="6123069" y="3989219"/>
+            <a:ext cx="1450256" cy="461665"/>
           </a:xfrm>
           <a:prstGeom prst="rect">
             <a:avLst/>
@@ -3806,7 +3817,7 @@
                 <a:latin typeface="Times New Roman" panose="02020603050405020304" pitchFamily="18" charset="0"/>
                 <a:cs typeface="Times New Roman" panose="02020603050405020304" pitchFamily="18" charset="0"/>
               </a:rPr>
-              <a:t>HOME</a:t>
+              <a:t>AvgTemp</a:t>
             </a:r>
             <a:endParaRPr lang="zh-CN" altLang="en-US" sz="2400" b="1" dirty="0">
               <a:latin typeface="Times New Roman" panose="02020603050405020304" pitchFamily="18" charset="0"/>
@@ -3833,8 +3844,8 @@
         </p:nvCxnSpPr>
         <p:spPr>
           <a:xfrm flipV="1">
-            <a:off x="2820954" y="2906649"/>
-            <a:ext cx="1706725" cy="1336347"/>
+            <a:off x="2820954" y="3091314"/>
+            <a:ext cx="1598248" cy="1128739"/>
           </a:xfrm>
           <a:prstGeom prst="straightConnector1">
             <a:avLst/>
@@ -3879,110 +3890,8 @@
         </p:nvCxnSpPr>
         <p:spPr>
           <a:xfrm>
-            <a:off x="4527679" y="2906649"/>
-            <a:ext cx="1714770" cy="1313405"/>
-          </a:xfrm>
-          <a:prstGeom prst="straightConnector1">
-            <a:avLst/>
-          </a:prstGeom>
-          <a:ln w="38100">
-            <a:solidFill>
-              <a:schemeClr val="tx1"/>
-            </a:solidFill>
-            <a:tailEnd type="triangle"/>
-          </a:ln>
-        </p:spPr>
-        <p:style>
-          <a:lnRef idx="1">
-            <a:schemeClr val="accent1"/>
-          </a:lnRef>
-          <a:fillRef idx="0">
-            <a:schemeClr val="accent1"/>
-          </a:fillRef>
-          <a:effectRef idx="0">
-            <a:schemeClr val="accent1"/>
-          </a:effectRef>
-          <a:fontRef idx="minor">
-            <a:schemeClr val="tx1"/>
-          </a:fontRef>
-        </p:style>
-      </p:cxnSp>
-      <p:sp>
-        <p:nvSpPr>
-          <p:cNvPr id="13" name="文本框 12">
-            <a:extLst>
-              <a:ext uri="{FF2B5EF4-FFF2-40B4-BE49-F238E27FC236}">
-                <a16:creationId xmlns:a16="http://schemas.microsoft.com/office/drawing/2014/main" id="{12D8111D-44B4-E400-CD70-753F92CC36C5}"/>
-              </a:ext>
-            </a:extLst>
-          </p:cNvPr>
-          <p:cNvSpPr txBox="1"/>
-          <p:nvPr/>
-        </p:nvSpPr>
-        <p:spPr>
-          <a:xfrm>
-            <a:off x="6234404" y="2214151"/>
-            <a:ext cx="1227587" cy="923330"/>
-          </a:xfrm>
-          <a:prstGeom prst="rect">
-            <a:avLst/>
-          </a:prstGeom>
-          <a:noFill/>
-          <a:ln w="28575">
-            <a:solidFill>
-              <a:schemeClr val="tx1"/>
-            </a:solidFill>
-            <a:prstDash val="dash"/>
-          </a:ln>
-        </p:spPr>
-        <p:txBody>
-          <a:bodyPr wrap="square" rtlCol="0">
-            <a:spAutoFit/>
-          </a:bodyPr>
-          <a:lstStyle/>
-          <a:p>
-            <a:pPr algn="ctr"/>
-            <a:r>
-              <a:rPr lang="en-US" altLang="zh-CN" dirty="0"/>
-              <a:t>Age</a:t>
-            </a:r>
-          </a:p>
-          <a:p>
-            <a:pPr algn="ctr"/>
-            <a:r>
-              <a:rPr lang="en-US" altLang="zh-CN" dirty="0"/>
-              <a:t>Language</a:t>
-            </a:r>
-          </a:p>
-          <a:p>
-            <a:pPr algn="ctr"/>
-            <a:r>
-              <a:rPr lang="en-US" altLang="zh-CN" dirty="0"/>
-              <a:t>Avgtemp</a:t>
-            </a:r>
-          </a:p>
-        </p:txBody>
-      </p:sp>
-      <p:cxnSp>
-        <p:nvCxnSpPr>
-          <p:cNvPr id="14" name="直接箭头连接符 13">
-            <a:extLst>
-              <a:ext uri="{FF2B5EF4-FFF2-40B4-BE49-F238E27FC236}">
-                <a16:creationId xmlns:a16="http://schemas.microsoft.com/office/drawing/2014/main" id="{D57584FD-5DD1-CFFC-F5D0-CE3884D2A300}"/>
-              </a:ext>
-            </a:extLst>
-          </p:cNvPr>
-          <p:cNvCxnSpPr>
-            <a:cxnSpLocks/>
-            <a:stCxn id="4" idx="3"/>
-            <a:endCxn id="6" idx="1"/>
-          </p:cNvCxnSpPr>
-          <p:nvPr/>
-        </p:nvCxnSpPr>
-        <p:spPr>
-          <a:xfrm flipV="1">
-            <a:off x="2820954" y="4220054"/>
-            <a:ext cx="3421495" cy="22942"/>
+            <a:off x="4419202" y="3091314"/>
+            <a:ext cx="1703867" cy="1128738"/>
           </a:xfrm>
           <a:prstGeom prst="straightConnector1">
             <a:avLst/>
@@ -4011,24 +3920,24 @@
       </p:cxnSp>
       <p:cxnSp>
         <p:nvCxnSpPr>
-          <p:cNvPr id="23" name="直接箭头连接符 22">
-            <a:extLst>
-              <a:ext uri="{FF2B5EF4-FFF2-40B4-BE49-F238E27FC236}">
-                <a16:creationId xmlns:a16="http://schemas.microsoft.com/office/drawing/2014/main" id="{F0A7757B-040F-8DB9-C1F9-B4A3F111B541}"/>
+          <p:cNvPr id="14" name="直接箭头连接符 13">
+            <a:extLst>
+              <a:ext uri="{FF2B5EF4-FFF2-40B4-BE49-F238E27FC236}">
+                <a16:creationId xmlns:a16="http://schemas.microsoft.com/office/drawing/2014/main" id="{D57584FD-5DD1-CFFC-F5D0-CE3884D2A300}"/>
               </a:ext>
             </a:extLst>
           </p:cNvPr>
           <p:cNvCxnSpPr>
             <a:cxnSpLocks/>
-            <a:stCxn id="13" idx="1"/>
-            <a:endCxn id="5" idx="3"/>
+            <a:stCxn id="4" idx="3"/>
+            <a:endCxn id="6" idx="1"/>
           </p:cNvCxnSpPr>
           <p:nvPr/>
         </p:nvCxnSpPr>
         <p:spPr>
-          <a:xfrm flipH="1">
-            <a:off x="4955332" y="2675816"/>
-            <a:ext cx="1279072" cy="1"/>
+          <a:xfrm flipV="1">
+            <a:off x="2820954" y="4220052"/>
+            <a:ext cx="3302115" cy="1"/>
           </a:xfrm>
           <a:prstGeom prst="straightConnector1">
             <a:avLst/>
@@ -4037,54 +3946,6 @@
             <a:solidFill>
               <a:schemeClr val="tx1"/>
             </a:solidFill>
-            <a:prstDash val="dash"/>
-            <a:tailEnd type="triangle"/>
-          </a:ln>
-        </p:spPr>
-        <p:style>
-          <a:lnRef idx="1">
-            <a:schemeClr val="accent1"/>
-          </a:lnRef>
-          <a:fillRef idx="0">
-            <a:schemeClr val="accent1"/>
-          </a:fillRef>
-          <a:effectRef idx="0">
-            <a:schemeClr val="accent1"/>
-          </a:effectRef>
-          <a:fontRef idx="minor">
-            <a:schemeClr val="tx1"/>
-          </a:fontRef>
-        </p:style>
-      </p:cxnSp>
-      <p:cxnSp>
-        <p:nvCxnSpPr>
-          <p:cNvPr id="27" name="直接箭头连接符 26">
-            <a:extLst>
-              <a:ext uri="{FF2B5EF4-FFF2-40B4-BE49-F238E27FC236}">
-                <a16:creationId xmlns:a16="http://schemas.microsoft.com/office/drawing/2014/main" id="{44B5AF32-FA1E-1FB4-E984-E64F67A163C6}"/>
-              </a:ext>
-            </a:extLst>
-          </p:cNvPr>
-          <p:cNvCxnSpPr>
-            <a:cxnSpLocks/>
-            <a:stCxn id="13" idx="2"/>
-            <a:endCxn id="6" idx="0"/>
-          </p:cNvCxnSpPr>
-          <p:nvPr/>
-        </p:nvCxnSpPr>
-        <p:spPr>
-          <a:xfrm>
-            <a:off x="6848198" y="3137481"/>
-            <a:ext cx="8045" cy="851740"/>
-          </a:xfrm>
-          <a:prstGeom prst="straightConnector1">
-            <a:avLst/>
-          </a:prstGeom>
-          <a:ln w="38100">
-            <a:solidFill>
-              <a:schemeClr val="tx1"/>
-            </a:solidFill>
-            <a:prstDash val="dash"/>
             <a:tailEnd type="triangle"/>
           </a:ln>
         </p:spPr>
